--- a/second phase seminar.pptx
+++ b/second phase seminar.pptx
@@ -32,25 +32,25 @@
   <p:notesSz cx="6858000" cy="9144000"/>
   <p:embeddedFontLst>
     <p:embeddedFont>
+      <p:font typeface="Montserrat" panose="020B0604020202020204" charset="0"/>
+      <p:regular r:id="rId22"/>
+      <p:bold r:id="rId23"/>
+      <p:italic r:id="rId24"/>
+      <p:boldItalic r:id="rId25"/>
+    </p:embeddedFont>
+    <p:embeddedFont>
+      <p:font typeface="Lato" panose="020B0604020202020204" charset="0"/>
+      <p:regular r:id="rId26"/>
+      <p:bold r:id="rId27"/>
+      <p:italic r:id="rId28"/>
+      <p:boldItalic r:id="rId29"/>
+    </p:embeddedFont>
+    <p:embeddedFont>
       <p:font typeface="Wingdings 3" panose="05040102010807070707" pitchFamily="18" charset="2"/>
-      <p:regular r:id="rId22"/>
+      <p:regular r:id="rId30"/>
     </p:embeddedFont>
     <p:embeddedFont>
       <p:font typeface="Century Gothic" panose="020B0502020202020204" pitchFamily="34" charset="0"/>
-      <p:regular r:id="rId23"/>
-      <p:bold r:id="rId24"/>
-      <p:italic r:id="rId25"/>
-      <p:boldItalic r:id="rId26"/>
-    </p:embeddedFont>
-    <p:embeddedFont>
-      <p:font typeface="Montserrat" panose="020B0604020202020204" charset="0"/>
-      <p:regular r:id="rId27"/>
-      <p:bold r:id="rId28"/>
-      <p:italic r:id="rId29"/>
-      <p:boldItalic r:id="rId30"/>
-    </p:embeddedFont>
-    <p:embeddedFont>
-      <p:font typeface="Lato" panose="020B0604020202020204" charset="0"/>
       <p:regular r:id="rId31"/>
       <p:bold r:id="rId32"/>
       <p:italic r:id="rId33"/>
@@ -2389,7 +2389,7 @@
           <a:p>
             <a:fld id="{4BDF68E2-58F2-4D09-BE8B-E3BD06533059}" type="datetimeFigureOut">
               <a:rPr lang="en-US" smtClean="0"/>
-              <a:t>4/5/2018</a:t>
+              <a:t>4/23/2018</a:t>
             </a:fld>
             <a:endParaRPr lang="en-US" dirty="0"/>
           </a:p>
@@ -2737,7 +2737,7 @@
           <a:p>
             <a:fld id="{98624D31-43A5-475A-80CF-332C9F6DCF35}" type="datetimeFigureOut">
               <a:rPr lang="en-US" smtClean="0"/>
-              <a:t>4/5/2018</a:t>
+              <a:t>4/23/2018</a:t>
             </a:fld>
             <a:endParaRPr lang="en-US" dirty="0"/>
           </a:p>
@@ -3148,7 +3148,7 @@
           <a:p>
             <a:fld id="{98624D31-43A5-475A-80CF-332C9F6DCF35}" type="datetimeFigureOut">
               <a:rPr lang="en-US" smtClean="0"/>
-              <a:t>4/5/2018</a:t>
+              <a:t>4/23/2018</a:t>
             </a:fld>
             <a:endParaRPr lang="en-US" dirty="0"/>
           </a:p>
@@ -3494,7 +3494,7 @@
           <a:p>
             <a:fld id="{98624D31-43A5-475A-80CF-332C9F6DCF35}" type="datetimeFigureOut">
               <a:rPr lang="en-US" smtClean="0"/>
-              <a:t>4/5/2018</a:t>
+              <a:t>4/23/2018</a:t>
             </a:fld>
             <a:endParaRPr lang="en-US" dirty="0"/>
           </a:p>
@@ -3824,7 +3824,7 @@
           <a:p>
             <a:fld id="{98624D31-43A5-475A-80CF-332C9F6DCF35}" type="datetimeFigureOut">
               <a:rPr lang="en-US" smtClean="0"/>
-              <a:t>4/5/2018</a:t>
+              <a:t>4/23/2018</a:t>
             </a:fld>
             <a:endParaRPr lang="en-US" dirty="0"/>
           </a:p>
@@ -4230,7 +4230,7 @@
           <a:p>
             <a:fld id="{98624D31-43A5-475A-80CF-332C9F6DCF35}" type="datetimeFigureOut">
               <a:rPr lang="en-US" smtClean="0"/>
-              <a:t>4/5/2018</a:t>
+              <a:t>4/23/2018</a:t>
             </a:fld>
             <a:endParaRPr lang="en-US" dirty="0"/>
           </a:p>
@@ -4497,7 +4497,7 @@
           <a:p>
             <a:fld id="{2E2D6473-DF6D-4702-B328-E0DD40540A4E}" type="datetimeFigureOut">
               <a:rPr lang="en-US" smtClean="0"/>
-              <a:t>4/5/2018</a:t>
+              <a:t>4/23/2018</a:t>
             </a:fld>
             <a:endParaRPr lang="en-US" dirty="0"/>
           </a:p>
@@ -4769,7 +4769,7 @@
           <a:p>
             <a:fld id="{E26F7E3A-B166-407D-9866-32884E7D5B37}" type="datetimeFigureOut">
               <a:rPr lang="en-US" smtClean="0"/>
-              <a:t>4/5/2018</a:t>
+              <a:t>4/23/2018</a:t>
             </a:fld>
             <a:endParaRPr lang="en-US" dirty="0"/>
           </a:p>
@@ -7038,7 +7038,7 @@
           <a:p>
             <a:fld id="{528FC5F6-F338-4AE4-BB23-26385BCFC423}" type="datetimeFigureOut">
               <a:rPr lang="en-US" smtClean="0"/>
-              <a:t>4/5/2018</a:t>
+              <a:t>4/23/2018</a:t>
             </a:fld>
             <a:endParaRPr lang="en-US" dirty="0"/>
           </a:p>
@@ -7377,7 +7377,7 @@
           <a:p>
             <a:fld id="{20EBB0C4-6273-4C6E-B9BD-2EDC30F1CD52}" type="datetimeFigureOut">
               <a:rPr lang="en-US" smtClean="0"/>
-              <a:t>4/5/2018</a:t>
+              <a:t>4/23/2018</a:t>
             </a:fld>
             <a:endParaRPr lang="en-US" dirty="0"/>
           </a:p>
@@ -7710,7 +7710,7 @@
           <a:p>
             <a:fld id="{19AB4D41-86C1-4908-B66A-0B50CEB3BF29}" type="datetimeFigureOut">
               <a:rPr lang="en-US" smtClean="0"/>
-              <a:t>4/5/2018</a:t>
+              <a:t>4/23/2018</a:t>
             </a:fld>
             <a:endParaRPr lang="en-US" dirty="0"/>
           </a:p>
@@ -8177,7 +8177,7 @@
           <a:p>
             <a:fld id="{E6426E2C-56C1-4E0D-A793-0088A7FDD37E}" type="datetimeFigureOut">
               <a:rPr lang="en-US" smtClean="0"/>
-              <a:t>4/5/2018</a:t>
+              <a:t>4/23/2018</a:t>
             </a:fld>
             <a:endParaRPr lang="en-US" dirty="0"/>
           </a:p>
@@ -8392,7 +8392,7 @@
           <a:p>
             <a:fld id="{C8C39B41-D8B5-4052-B551-9B5525EAA8B6}" type="datetimeFigureOut">
               <a:rPr lang="en-US" smtClean="0"/>
-              <a:t>4/5/2018</a:t>
+              <a:t>4/23/2018</a:t>
             </a:fld>
             <a:endParaRPr lang="en-US" dirty="0"/>
           </a:p>
@@ -8579,7 +8579,7 @@
           <a:p>
             <a:fld id="{4D94136C-8742-45B2-AF27-D93DF72833A9}" type="datetimeFigureOut">
               <a:rPr lang="en-US" smtClean="0"/>
-              <a:t>4/5/2018</a:t>
+              <a:t>4/23/2018</a:t>
             </a:fld>
             <a:endParaRPr lang="en-US" dirty="0"/>
           </a:p>
@@ -8922,7 +8922,7 @@
           <a:p>
             <a:fld id="{32ABBEA6-7C60-4B02-AE87-00D78D8422AF}" type="datetimeFigureOut">
               <a:rPr lang="en-US" smtClean="0"/>
-              <a:t>4/5/2018</a:t>
+              <a:t>4/23/2018</a:t>
             </a:fld>
             <a:endParaRPr lang="en-US" dirty="0"/>
           </a:p>
@@ -9277,7 +9277,7 @@
           <a:p>
             <a:fld id="{C9CAD897-D46E-4AD2-BD9B-49DD3E640873}" type="datetimeFigureOut">
               <a:rPr lang="en-US" smtClean="0"/>
-              <a:t>4/5/2018</a:t>
+              <a:t>4/23/2018</a:t>
             </a:fld>
             <a:endParaRPr lang="en-US" dirty="0"/>
           </a:p>
@@ -11404,7 +11404,7 @@
           <a:p>
             <a:fld id="{98624D31-43A5-475A-80CF-332C9F6DCF35}" type="datetimeFigureOut">
               <a:rPr lang="en-US" smtClean="0"/>
-              <a:t>4/5/2018</a:t>
+              <a:t>4/23/2018</a:t>
             </a:fld>
             <a:endParaRPr lang="en-US" dirty="0"/>
           </a:p>
@@ -16328,20 +16328,10 @@
                 <a:solidFill>
                   <a:schemeClr val="tx1"/>
                 </a:solidFill>
+                <a:latin typeface="Times New Roman" panose="02020603050405020304" pitchFamily="18" charset="0"/>
+                <a:cs typeface="Times New Roman" panose="02020603050405020304" pitchFamily="18" charset="0"/>
               </a:rPr>
-              <a:t>Data</a:t>
-            </a:r>
-            <a:r>
-              <a:rPr lang="en-US" dirty="0"/>
-              <a:t> </a:t>
-            </a:r>
-            <a:r>
-              <a:rPr lang="en-US" dirty="0">
-                <a:solidFill>
-                  <a:schemeClr val="tx1"/>
-                </a:solidFill>
-              </a:rPr>
-              <a:t>Collection</a:t>
+              <a:t>Data Collection</a:t>
             </a:r>
           </a:p>
         </p:txBody>
@@ -16369,9 +16359,7 @@
           <a:noFill/>
           <a:ln w="19050">
             <a:solidFill>
-              <a:schemeClr val="accent4">
-                <a:lumMod val="50000"/>
-              </a:schemeClr>
+              <a:schemeClr val="tx1"/>
             </a:solidFill>
           </a:ln>
         </p:spPr>
@@ -16401,6 +16389,8 @@
                 <a:solidFill>
                   <a:schemeClr val="tx1"/>
                 </a:solidFill>
+                <a:latin typeface="Times New Roman" panose="02020603050405020304" pitchFamily="18" charset="0"/>
+                <a:cs typeface="Times New Roman" panose="02020603050405020304" pitchFamily="18" charset="0"/>
               </a:rPr>
               <a:t>Data Filtering and Cleaning</a:t>
             </a:r>
@@ -16430,9 +16420,7 @@
           <a:noFill/>
           <a:ln w="19050">
             <a:solidFill>
-              <a:schemeClr val="accent4">
-                <a:lumMod val="50000"/>
-              </a:schemeClr>
+              <a:schemeClr val="tx1"/>
             </a:solidFill>
           </a:ln>
         </p:spPr>
@@ -16462,6 +16450,8 @@
                 <a:solidFill>
                   <a:schemeClr val="tx1"/>
                 </a:solidFill>
+                <a:latin typeface="Times New Roman" panose="02020603050405020304" pitchFamily="18" charset="0"/>
+                <a:cs typeface="Times New Roman" panose="02020603050405020304" pitchFamily="18" charset="0"/>
               </a:rPr>
               <a:t>Feature selection</a:t>
             </a:r>
@@ -16521,6 +16511,8 @@
                 <a:solidFill>
                   <a:schemeClr val="tx1"/>
                 </a:solidFill>
+                <a:latin typeface="Times New Roman" panose="02020603050405020304" pitchFamily="18" charset="0"/>
+                <a:cs typeface="Times New Roman" panose="02020603050405020304" pitchFamily="18" charset="0"/>
               </a:rPr>
               <a:t>Regression Model Implementation</a:t>
             </a:r>
@@ -16550,9 +16542,7 @@
           <a:noFill/>
           <a:ln w="19050">
             <a:solidFill>
-              <a:schemeClr val="accent4">
-                <a:lumMod val="50000"/>
-              </a:schemeClr>
+              <a:schemeClr val="tx1"/>
             </a:solidFill>
           </a:ln>
         </p:spPr>
@@ -16582,6 +16572,8 @@
                 <a:solidFill>
                   <a:schemeClr val="tx1"/>
                 </a:solidFill>
+                <a:latin typeface="Times New Roman" panose="02020603050405020304" pitchFamily="18" charset="0"/>
+                <a:cs typeface="Times New Roman" panose="02020603050405020304" pitchFamily="18" charset="0"/>
               </a:rPr>
               <a:t>Testing</a:t>
             </a:r>
@@ -16611,9 +16603,7 @@
           <a:noFill/>
           <a:ln w="19050">
             <a:solidFill>
-              <a:schemeClr val="accent4">
-                <a:lumMod val="50000"/>
-              </a:schemeClr>
+              <a:schemeClr val="tx1"/>
             </a:solidFill>
           </a:ln>
         </p:spPr>
@@ -16643,6 +16633,8 @@
                 <a:solidFill>
                   <a:schemeClr val="tx1"/>
                 </a:solidFill>
+                <a:latin typeface="Times New Roman" panose="02020603050405020304" pitchFamily="18" charset="0"/>
+                <a:cs typeface="Times New Roman" panose="02020603050405020304" pitchFamily="18" charset="0"/>
               </a:rPr>
               <a:t>Final trained model</a:t>
             </a:r>
@@ -16672,9 +16664,7 @@
           <a:noFill/>
           <a:ln w="19050">
             <a:solidFill>
-              <a:schemeClr val="accent4">
-                <a:lumMod val="50000"/>
-              </a:schemeClr>
+              <a:schemeClr val="tx1"/>
             </a:solidFill>
           </a:ln>
         </p:spPr>
@@ -16704,6 +16694,8 @@
                 <a:solidFill>
                   <a:schemeClr val="tx1"/>
                 </a:solidFill>
+                <a:latin typeface="Times New Roman" panose="02020603050405020304" pitchFamily="18" charset="0"/>
+                <a:cs typeface="Times New Roman" panose="02020603050405020304" pitchFamily="18" charset="0"/>
               </a:rPr>
               <a:t>Final application</a:t>
             </a:r>
@@ -16731,15 +16723,11 @@
             <a:avLst/>
           </a:prstGeom>
           <a:solidFill>
-            <a:schemeClr val="accent4">
-              <a:lumMod val="50000"/>
-            </a:schemeClr>
+            <a:schemeClr val="tx1"/>
           </a:solidFill>
           <a:ln w="3175">
             <a:solidFill>
-              <a:schemeClr val="accent4">
-                <a:lumMod val="50000"/>
-              </a:schemeClr>
+              <a:schemeClr val="tx1"/>
             </a:solidFill>
           </a:ln>
         </p:spPr>
@@ -16793,15 +16781,11 @@
             <a:avLst/>
           </a:prstGeom>
           <a:solidFill>
-            <a:schemeClr val="accent4">
-              <a:lumMod val="50000"/>
-            </a:schemeClr>
+            <a:schemeClr val="tx1"/>
           </a:solidFill>
           <a:ln w="3175">
             <a:solidFill>
-              <a:schemeClr val="accent4">
-                <a:lumMod val="50000"/>
-              </a:schemeClr>
+              <a:schemeClr val="tx1"/>
             </a:solidFill>
           </a:ln>
         </p:spPr>
@@ -16855,15 +16839,11 @@
             <a:avLst/>
           </a:prstGeom>
           <a:solidFill>
-            <a:schemeClr val="accent4">
-              <a:lumMod val="50000"/>
-            </a:schemeClr>
+            <a:schemeClr val="tx1"/>
           </a:solidFill>
           <a:ln w="3175">
             <a:solidFill>
-              <a:schemeClr val="accent4">
-                <a:lumMod val="50000"/>
-              </a:schemeClr>
+              <a:schemeClr val="tx1"/>
             </a:solidFill>
           </a:ln>
         </p:spPr>
@@ -16917,15 +16897,11 @@
             <a:avLst/>
           </a:prstGeom>
           <a:solidFill>
-            <a:schemeClr val="accent4">
-              <a:lumMod val="50000"/>
-            </a:schemeClr>
+            <a:schemeClr val="tx1"/>
           </a:solidFill>
           <a:ln w="3175">
             <a:solidFill>
-              <a:schemeClr val="accent4">
-                <a:lumMod val="50000"/>
-              </a:schemeClr>
+              <a:schemeClr val="tx1"/>
             </a:solidFill>
           </a:ln>
         </p:spPr>
@@ -16979,15 +16955,11 @@
             <a:avLst/>
           </a:prstGeom>
           <a:solidFill>
-            <a:schemeClr val="accent4">
-              <a:lumMod val="50000"/>
-            </a:schemeClr>
+            <a:schemeClr val="tx1"/>
           </a:solidFill>
           <a:ln w="3175">
             <a:solidFill>
-              <a:schemeClr val="accent4">
-                <a:lumMod val="50000"/>
-              </a:schemeClr>
+              <a:schemeClr val="tx1"/>
             </a:solidFill>
           </a:ln>
         </p:spPr>
@@ -17041,15 +17013,11 @@
             <a:avLst/>
           </a:prstGeom>
           <a:solidFill>
-            <a:schemeClr val="accent4">
-              <a:lumMod val="50000"/>
-            </a:schemeClr>
+            <a:schemeClr val="tx1"/>
           </a:solidFill>
           <a:ln w="3175">
             <a:solidFill>
-              <a:schemeClr val="accent4">
-                <a:lumMod val="50000"/>
-              </a:schemeClr>
+              <a:schemeClr val="tx1"/>
             </a:solidFill>
           </a:ln>
         </p:spPr>
@@ -17103,15 +17071,11 @@
             <a:avLst/>
           </a:prstGeom>
           <a:solidFill>
-            <a:schemeClr val="accent4">
-              <a:lumMod val="50000"/>
-            </a:schemeClr>
+            <a:schemeClr val="tx1"/>
           </a:solidFill>
           <a:ln w="3175">
             <a:solidFill>
-              <a:schemeClr val="accent4">
-                <a:lumMod val="50000"/>
-              </a:schemeClr>
+              <a:schemeClr val="tx1"/>
             </a:solidFill>
           </a:ln>
         </p:spPr>
@@ -17165,15 +17129,11 @@
             <a:avLst/>
           </a:prstGeom>
           <a:solidFill>
-            <a:schemeClr val="accent4">
-              <a:lumMod val="50000"/>
-            </a:schemeClr>
+            <a:schemeClr val="tx1"/>
           </a:solidFill>
           <a:ln>
             <a:solidFill>
-              <a:schemeClr val="accent4">
-                <a:lumMod val="50000"/>
-              </a:schemeClr>
+              <a:schemeClr val="tx1"/>
             </a:solidFill>
           </a:ln>
         </p:spPr>
@@ -17297,9 +17257,7 @@
             <a:avLst/>
           </a:prstGeom>
           <a:solidFill>
-            <a:schemeClr val="accent4">
-              <a:lumMod val="75000"/>
-            </a:schemeClr>
+            <a:schemeClr val="tx1"/>
           </a:solidFill>
           <a:ln>
             <a:noFill/>
@@ -17327,7 +17285,10 @@
           <a:p>
             <a:pPr algn="ctr"/>
             <a:r>
-              <a:rPr lang="en-US" sz="1600" dirty="0"/>
+              <a:rPr lang="en-US" sz="1200" dirty="0">
+                <a:latin typeface="Times New Roman" panose="02020603050405020304" pitchFamily="18" charset="0"/>
+                <a:cs typeface="Times New Roman" panose="02020603050405020304" pitchFamily="18" charset="0"/>
+              </a:rPr>
               <a:t>Raw Data</a:t>
             </a:r>
           </a:p>
@@ -17354,9 +17315,7 @@
             <a:avLst/>
           </a:prstGeom>
           <a:solidFill>
-            <a:schemeClr val="accent4">
-              <a:lumMod val="75000"/>
-            </a:schemeClr>
+            <a:schemeClr val="tx1"/>
           </a:solidFill>
           <a:ln>
             <a:noFill/>
@@ -17384,7 +17343,10 @@
           <a:p>
             <a:pPr algn="ctr"/>
             <a:r>
-              <a:rPr lang="en-US" sz="1600" dirty="0"/>
+              <a:rPr lang="en-US" sz="1200" dirty="0">
+                <a:latin typeface="Times New Roman" panose="02020603050405020304" pitchFamily="18" charset="0"/>
+                <a:cs typeface="Times New Roman" panose="02020603050405020304" pitchFamily="18" charset="0"/>
+              </a:rPr>
               <a:t>Pre-Processing</a:t>
             </a:r>
           </a:p>
@@ -17411,9 +17373,7 @@
             <a:avLst/>
           </a:prstGeom>
           <a:solidFill>
-            <a:schemeClr val="accent4">
-              <a:lumMod val="75000"/>
-            </a:schemeClr>
+            <a:schemeClr val="tx1"/>
           </a:solidFill>
           <a:ln>
             <a:noFill/>
@@ -17441,7 +17401,10 @@
           <a:p>
             <a:pPr algn="ctr"/>
             <a:r>
-              <a:rPr lang="en-US" sz="1600" dirty="0"/>
+              <a:rPr lang="en-US" sz="1200" dirty="0">
+                <a:latin typeface="Times New Roman" panose="02020603050405020304" pitchFamily="18" charset="0"/>
+                <a:cs typeface="Times New Roman" panose="02020603050405020304" pitchFamily="18" charset="0"/>
+              </a:rPr>
               <a:t>Learning</a:t>
             </a:r>
           </a:p>
@@ -17468,9 +17431,7 @@
             <a:avLst/>
           </a:prstGeom>
           <a:solidFill>
-            <a:schemeClr val="accent4">
-              <a:lumMod val="75000"/>
-            </a:schemeClr>
+            <a:schemeClr val="tx1"/>
           </a:solidFill>
           <a:ln>
             <a:noFill/>
@@ -17498,7 +17459,10 @@
           <a:p>
             <a:pPr algn="ctr"/>
             <a:r>
-              <a:rPr lang="en-US" sz="1600" dirty="0"/>
+              <a:rPr lang="en-US" sz="1200" dirty="0">
+                <a:latin typeface="Times New Roman" panose="02020603050405020304" pitchFamily="18" charset="0"/>
+                <a:cs typeface="Times New Roman" panose="02020603050405020304" pitchFamily="18" charset="0"/>
+              </a:rPr>
               <a:t>Evaluation</a:t>
             </a:r>
           </a:p>
@@ -17525,9 +17489,7 @@
             <a:avLst/>
           </a:prstGeom>
           <a:solidFill>
-            <a:schemeClr val="accent4">
-              <a:lumMod val="75000"/>
-            </a:schemeClr>
+            <a:schemeClr val="tx1"/>
           </a:solidFill>
           <a:ln>
             <a:noFill/>
@@ -17555,7 +17517,10 @@
           <a:p>
             <a:pPr algn="ctr"/>
             <a:r>
-              <a:rPr lang="en-US" sz="1600" dirty="0"/>
+              <a:rPr lang="en-US" sz="1200" dirty="0">
+                <a:latin typeface="Times New Roman" panose="02020603050405020304" pitchFamily="18" charset="0"/>
+                <a:cs typeface="Times New Roman" panose="02020603050405020304" pitchFamily="18" charset="0"/>
+              </a:rPr>
               <a:t>Prediction</a:t>
             </a:r>
           </a:p>
@@ -17582,9 +17547,7 @@
             <a:avLst/>
           </a:prstGeom>
           <a:solidFill>
-            <a:schemeClr val="accent4">
-              <a:lumMod val="75000"/>
-            </a:schemeClr>
+            <a:schemeClr val="tx1"/>
           </a:solidFill>
           <a:ln>
             <a:noFill/>
@@ -17611,7 +17574,10 @@
           <a:lstStyle/>
           <a:p>
             <a:pPr algn="ctr"/>
-            <a:endParaRPr lang="en-US"/>
+            <a:endParaRPr lang="en-US" sz="1200">
+              <a:latin typeface="Times New Roman" panose="02020603050405020304" pitchFamily="18" charset="0"/>
+              <a:cs typeface="Times New Roman" panose="02020603050405020304" pitchFamily="18" charset="0"/>
+            </a:endParaRPr>
           </a:p>
         </p:txBody>
       </p:sp>
@@ -17636,9 +17602,7 @@
             <a:avLst/>
           </a:prstGeom>
           <a:solidFill>
-            <a:schemeClr val="accent4">
-              <a:lumMod val="75000"/>
-            </a:schemeClr>
+            <a:schemeClr val="tx1"/>
           </a:solidFill>
           <a:ln>
             <a:noFill/>
@@ -17665,7 +17629,10 @@
           <a:lstStyle/>
           <a:p>
             <a:pPr algn="ctr"/>
-            <a:endParaRPr lang="en-US"/>
+            <a:endParaRPr lang="en-US" sz="1200">
+              <a:latin typeface="Times New Roman" panose="02020603050405020304" pitchFamily="18" charset="0"/>
+              <a:cs typeface="Times New Roman" panose="02020603050405020304" pitchFamily="18" charset="0"/>
+            </a:endParaRPr>
           </a:p>
         </p:txBody>
       </p:sp>
@@ -17690,9 +17657,7 @@
             <a:avLst/>
           </a:prstGeom>
           <a:solidFill>
-            <a:schemeClr val="accent4">
-              <a:lumMod val="75000"/>
-            </a:schemeClr>
+            <a:schemeClr val="tx1"/>
           </a:solidFill>
           <a:ln>
             <a:noFill/>
@@ -17719,7 +17684,10 @@
           <a:lstStyle/>
           <a:p>
             <a:pPr algn="ctr"/>
-            <a:endParaRPr lang="en-US"/>
+            <a:endParaRPr lang="en-US" sz="1200">
+              <a:latin typeface="Times New Roman" panose="02020603050405020304" pitchFamily="18" charset="0"/>
+              <a:cs typeface="Times New Roman" panose="02020603050405020304" pitchFamily="18" charset="0"/>
+            </a:endParaRPr>
           </a:p>
         </p:txBody>
       </p:sp>
@@ -17744,9 +17712,7 @@
             <a:avLst/>
           </a:prstGeom>
           <a:solidFill>
-            <a:schemeClr val="accent4">
-              <a:lumMod val="75000"/>
-            </a:schemeClr>
+            <a:schemeClr val="tx1"/>
           </a:solidFill>
           <a:ln>
             <a:noFill/>
@@ -17773,7 +17739,10 @@
           <a:lstStyle/>
           <a:p>
             <a:pPr algn="ctr"/>
-            <a:endParaRPr lang="en-US"/>
+            <a:endParaRPr lang="en-US" sz="1200">
+              <a:latin typeface="Times New Roman" panose="02020603050405020304" pitchFamily="18" charset="0"/>
+              <a:cs typeface="Times New Roman" panose="02020603050405020304" pitchFamily="18" charset="0"/>
+            </a:endParaRPr>
           </a:p>
         </p:txBody>
       </p:sp>
@@ -17869,9 +17838,7 @@
             <a:avLst/>
           </a:prstGeom>
           <a:solidFill>
-            <a:schemeClr val="accent4">
-              <a:lumMod val="75000"/>
-            </a:schemeClr>
+            <a:schemeClr val="tx1"/>
           </a:solidFill>
           <a:ln>
             <a:noFill/>
@@ -17899,7 +17866,10 @@
           <a:p>
             <a:pPr algn="ctr"/>
             <a:r>
-              <a:rPr lang="en-US" sz="1200" dirty="0"/>
+              <a:rPr lang="en-US" sz="1200" dirty="0">
+                <a:latin typeface="Times New Roman" panose="02020603050405020304" pitchFamily="18" charset="0"/>
+                <a:cs typeface="Times New Roman" panose="02020603050405020304" pitchFamily="18" charset="0"/>
+              </a:rPr>
               <a:t>Raw Data</a:t>
             </a:r>
           </a:p>
@@ -17928,9 +17898,7 @@
           <a:noFill/>
           <a:ln>
             <a:solidFill>
-              <a:schemeClr val="accent4">
-                <a:lumMod val="50000"/>
-              </a:schemeClr>
+              <a:schemeClr val="tx1"/>
             </a:solidFill>
           </a:ln>
         </p:spPr>
@@ -17958,10 +17926,10 @@
             <a:r>
               <a:rPr lang="en-US" sz="1200" b="1" dirty="0">
                 <a:solidFill>
-                  <a:schemeClr val="accent4">
-                    <a:lumMod val="50000"/>
-                  </a:schemeClr>
-                </a:solidFill>
+                  <a:schemeClr val="tx1"/>
+                </a:solidFill>
+                <a:latin typeface="Times New Roman" panose="02020603050405020304" pitchFamily="18" charset="0"/>
+                <a:cs typeface="Times New Roman" panose="02020603050405020304" pitchFamily="18" charset="0"/>
               </a:rPr>
               <a:t>Pre-Processing</a:t>
             </a:r>
@@ -18021,20 +17989,13 @@
             <a:r>
               <a:rPr lang="en-US" sz="1200" b="1" dirty="0">
                 <a:solidFill>
-                  <a:schemeClr val="accent4">
-                    <a:lumMod val="50000"/>
-                  </a:schemeClr>
-                </a:solidFill>
+                  <a:schemeClr val="tx1"/>
+                </a:solidFill>
+                <a:latin typeface="Times New Roman" panose="02020603050405020304" pitchFamily="18" charset="0"/>
+                <a:cs typeface="Times New Roman" panose="02020603050405020304" pitchFamily="18" charset="0"/>
               </a:rPr>
               <a:t>Learning</a:t>
             </a:r>
-            <a:endParaRPr lang="en-US" sz="1600" b="1" dirty="0">
-              <a:solidFill>
-                <a:schemeClr val="accent4">
-                  <a:lumMod val="50000"/>
-                </a:schemeClr>
-              </a:solidFill>
-            </a:endParaRPr>
           </a:p>
         </p:txBody>
       </p:sp>
@@ -18059,9 +18020,7 @@
             <a:avLst/>
           </a:prstGeom>
           <a:solidFill>
-            <a:schemeClr val="accent4">
-              <a:lumMod val="75000"/>
-            </a:schemeClr>
+            <a:schemeClr val="tx1"/>
           </a:solidFill>
           <a:ln>
             <a:noFill/>
@@ -18089,10 +18048,12 @@
           <a:p>
             <a:pPr algn="ctr"/>
             <a:r>
-              <a:rPr lang="en-US" sz="1200" dirty="0"/>
+              <a:rPr lang="en-US" sz="1200" dirty="0">
+                <a:latin typeface="Times New Roman" panose="02020603050405020304" pitchFamily="18" charset="0"/>
+                <a:cs typeface="Times New Roman" panose="02020603050405020304" pitchFamily="18" charset="0"/>
+              </a:rPr>
               <a:t>Evaluation</a:t>
             </a:r>
-            <a:endParaRPr lang="en-US" sz="1400" dirty="0"/>
           </a:p>
         </p:txBody>
       </p:sp>
@@ -18117,9 +18078,7 @@
             <a:avLst/>
           </a:prstGeom>
           <a:solidFill>
-            <a:schemeClr val="accent4">
-              <a:lumMod val="75000"/>
-            </a:schemeClr>
+            <a:schemeClr val="tx1"/>
           </a:solidFill>
           <a:ln>
             <a:noFill/>
@@ -18147,10 +18106,12 @@
           <a:p>
             <a:pPr algn="ctr"/>
             <a:r>
-              <a:rPr lang="en-US" sz="1200" dirty="0"/>
+              <a:rPr lang="en-US" sz="1200" dirty="0">
+                <a:latin typeface="Times New Roman" panose="02020603050405020304" pitchFamily="18" charset="0"/>
+                <a:cs typeface="Times New Roman" panose="02020603050405020304" pitchFamily="18" charset="0"/>
+              </a:rPr>
               <a:t>Prediction</a:t>
             </a:r>
-            <a:endParaRPr lang="en-US" sz="1400" dirty="0"/>
           </a:p>
         </p:txBody>
       </p:sp>
@@ -18175,9 +18136,115 @@
             <a:avLst/>
           </a:prstGeom>
           <a:solidFill>
-            <a:schemeClr val="accent4">
-              <a:lumMod val="75000"/>
+            <a:schemeClr val="tx1"/>
+          </a:solidFill>
+          <a:ln>
+            <a:solidFill>
+              <a:schemeClr val="tx1"/>
+            </a:solidFill>
+          </a:ln>
+        </p:spPr>
+        <p:style>
+          <a:lnRef idx="2">
+            <a:schemeClr val="accent1">
+              <a:shade val="50000"/>
             </a:schemeClr>
+          </a:lnRef>
+          <a:fillRef idx="1">
+            <a:schemeClr val="accent1"/>
+          </a:fillRef>
+          <a:effectRef idx="0">
+            <a:schemeClr val="accent1"/>
+          </a:effectRef>
+          <a:fontRef idx="minor">
+            <a:schemeClr val="lt1"/>
+          </a:fontRef>
+        </p:style>
+        <p:txBody>
+          <a:bodyPr rtlCol="0" anchor="ctr"/>
+          <a:lstStyle/>
+          <a:p>
+            <a:pPr algn="ctr"/>
+            <a:endParaRPr lang="en-US" sz="1200"/>
+          </a:p>
+        </p:txBody>
+      </p:sp>
+      <p:sp>
+        <p:nvSpPr>
+          <p:cNvPr id="16" name="Arrow: Right 15">
+            <a:extLst>
+              <a:ext uri="{FF2B5EF4-FFF2-40B4-BE49-F238E27FC236}">
+                <a16:creationId xmlns:a16="http://schemas.microsoft.com/office/drawing/2014/main" id="{6A414E5C-41A5-4A4C-97D0-7D1E46A19218}"/>
+              </a:ext>
+            </a:extLst>
+          </p:cNvPr>
+          <p:cNvSpPr/>
+          <p:nvPr/>
+        </p:nvSpPr>
+        <p:spPr>
+          <a:xfrm>
+            <a:off x="3788135" y="844700"/>
+            <a:ext cx="332580" cy="205740"/>
+          </a:xfrm>
+          <a:prstGeom prst="rightArrow">
+            <a:avLst/>
+          </a:prstGeom>
+          <a:solidFill>
+            <a:schemeClr val="tx1"/>
+          </a:solidFill>
+          <a:ln>
+            <a:solidFill>
+              <a:schemeClr val="tx1"/>
+            </a:solidFill>
+          </a:ln>
+        </p:spPr>
+        <p:style>
+          <a:lnRef idx="2">
+            <a:schemeClr val="accent1">
+              <a:shade val="50000"/>
+            </a:schemeClr>
+          </a:lnRef>
+          <a:fillRef idx="1">
+            <a:schemeClr val="accent1"/>
+          </a:fillRef>
+          <a:effectRef idx="0">
+            <a:schemeClr val="accent1"/>
+          </a:effectRef>
+          <a:fontRef idx="minor">
+            <a:schemeClr val="lt1"/>
+          </a:fontRef>
+        </p:style>
+        <p:txBody>
+          <a:bodyPr rtlCol="0" anchor="ctr"/>
+          <a:lstStyle/>
+          <a:p>
+            <a:pPr algn="ctr"/>
+            <a:endParaRPr lang="en-US" sz="1200"/>
+          </a:p>
+        </p:txBody>
+      </p:sp>
+      <p:sp>
+        <p:nvSpPr>
+          <p:cNvPr id="17" name="Arrow: Right 16">
+            <a:extLst>
+              <a:ext uri="{FF2B5EF4-FFF2-40B4-BE49-F238E27FC236}">
+                <a16:creationId xmlns:a16="http://schemas.microsoft.com/office/drawing/2014/main" id="{24D5FE7A-12F4-4FDC-BD8D-534C99693F65}"/>
+              </a:ext>
+            </a:extLst>
+          </p:cNvPr>
+          <p:cNvSpPr/>
+          <p:nvPr/>
+        </p:nvSpPr>
+        <p:spPr>
+          <a:xfrm>
+            <a:off x="5675475" y="846392"/>
+            <a:ext cx="332580" cy="205740"/>
+          </a:xfrm>
+          <a:prstGeom prst="rightArrow">
+            <a:avLst/>
+          </a:prstGeom>
+          <a:solidFill>
+            <a:schemeClr val="tx1"/>
           </a:solidFill>
           <a:ln>
             <a:noFill/>
@@ -18204,16 +18271,16 @@
           <a:lstStyle/>
           <a:p>
             <a:pPr algn="ctr"/>
-            <a:endParaRPr lang="en-US"/>
+            <a:endParaRPr lang="en-US" sz="1200"/>
           </a:p>
         </p:txBody>
       </p:sp>
       <p:sp>
         <p:nvSpPr>
-          <p:cNvPr id="16" name="Arrow: Right 15">
+          <p:cNvPr id="18" name="Arrow: Right 17">
             <a:extLst>
               <a:ext uri="{FF2B5EF4-FFF2-40B4-BE49-F238E27FC236}">
-                <a16:creationId xmlns:a16="http://schemas.microsoft.com/office/drawing/2014/main" id="{6A414E5C-41A5-4A4C-97D0-7D1E46A19218}"/>
+                <a16:creationId xmlns:a16="http://schemas.microsoft.com/office/drawing/2014/main" id="{DB1202B6-7680-4159-BFB5-B540F6823CDF}"/>
               </a:ext>
             </a:extLst>
           </p:cNvPr>
@@ -18222,16 +18289,14 @@
         </p:nvSpPr>
         <p:spPr>
           <a:xfrm>
-            <a:off x="3788135" y="844700"/>
+            <a:off x="7289547" y="822114"/>
             <a:ext cx="332580" cy="205740"/>
           </a:xfrm>
           <a:prstGeom prst="rightArrow">
             <a:avLst/>
           </a:prstGeom>
           <a:solidFill>
-            <a:schemeClr val="accent4">
-              <a:lumMod val="75000"/>
-            </a:schemeClr>
+            <a:schemeClr val="tx1"/>
           </a:solidFill>
           <a:ln>
             <a:noFill/>
@@ -18258,16 +18323,57 @@
           <a:lstStyle/>
           <a:p>
             <a:pPr algn="ctr"/>
-            <a:endParaRPr lang="en-US"/>
+            <a:endParaRPr lang="en-US" sz="1200"/>
           </a:p>
         </p:txBody>
       </p:sp>
       <p:sp>
         <p:nvSpPr>
-          <p:cNvPr id="17" name="Arrow: Right 16">
+          <p:cNvPr id="19" name="TextBox 18">
             <a:extLst>
               <a:ext uri="{FF2B5EF4-FFF2-40B4-BE49-F238E27FC236}">
-                <a16:creationId xmlns:a16="http://schemas.microsoft.com/office/drawing/2014/main" id="{24D5FE7A-12F4-4FDC-BD8D-534C99693F65}"/>
+                <a16:creationId xmlns:a16="http://schemas.microsoft.com/office/drawing/2014/main" id="{65E0B5DC-30C0-4E8E-8D14-35DF698C3463}"/>
+              </a:ext>
+            </a:extLst>
+          </p:cNvPr>
+          <p:cNvSpPr txBox="1"/>
+          <p:nvPr/>
+        </p:nvSpPr>
+        <p:spPr>
+          <a:xfrm>
+            <a:off x="697271" y="121344"/>
+            <a:ext cx="1015021" cy="369332"/>
+          </a:xfrm>
+          <a:prstGeom prst="rect">
+            <a:avLst/>
+          </a:prstGeom>
+          <a:noFill/>
+        </p:spPr>
+        <p:txBody>
+          <a:bodyPr wrap="none" rtlCol="0">
+            <a:spAutoFit/>
+          </a:bodyPr>
+          <a:lstStyle/>
+          <a:p>
+            <a:r>
+              <a:rPr lang="en-US" b="1" dirty="0">
+                <a:solidFill>
+                  <a:schemeClr val="accent4">
+                    <a:lumMod val="50000"/>
+                  </a:schemeClr>
+                </a:solidFill>
+              </a:rPr>
+              <a:t>LEVEL-1</a:t>
+            </a:r>
+          </a:p>
+        </p:txBody>
+      </p:sp>
+      <p:sp>
+        <p:nvSpPr>
+          <p:cNvPr id="20" name="Rectangle 19">
+            <a:extLst>
+              <a:ext uri="{FF2B5EF4-FFF2-40B4-BE49-F238E27FC236}">
+                <a16:creationId xmlns:a16="http://schemas.microsoft.com/office/drawing/2014/main" id="{EC528B2B-2C61-4C91-B83F-E156A1FDE46E}"/>
               </a:ext>
             </a:extLst>
           </p:cNvPr>
@@ -18276,16 +18382,14 @@
         </p:nvSpPr>
         <p:spPr>
           <a:xfrm>
-            <a:off x="5675475" y="846392"/>
-            <a:ext cx="332580" cy="205740"/>
+            <a:off x="2383071" y="2252302"/>
+            <a:ext cx="1287780" cy="701040"/>
           </a:xfrm>
-          <a:prstGeom prst="rightArrow">
+          <a:prstGeom prst="rect">
             <a:avLst/>
           </a:prstGeom>
           <a:solidFill>
-            <a:schemeClr val="accent4">
-              <a:lumMod val="75000"/>
-            </a:schemeClr>
+            <a:schemeClr val="tx1"/>
           </a:solidFill>
           <a:ln>
             <a:noFill/>
@@ -18312,16 +18416,22 @@
           <a:lstStyle/>
           <a:p>
             <a:pPr algn="ctr"/>
-            <a:endParaRPr lang="en-US"/>
+            <a:r>
+              <a:rPr lang="en-US" sz="1200" dirty="0">
+                <a:latin typeface="Times New Roman" panose="02020603050405020304" pitchFamily="18" charset="0"/>
+                <a:cs typeface="Times New Roman" panose="02020603050405020304" pitchFamily="18" charset="0"/>
+              </a:rPr>
+              <a:t>Feature Extraction and Scaling</a:t>
+            </a:r>
           </a:p>
         </p:txBody>
       </p:sp>
       <p:sp>
         <p:nvSpPr>
-          <p:cNvPr id="18" name="Arrow: Right 17">
+          <p:cNvPr id="21" name="Rectangle 20">
             <a:extLst>
               <a:ext uri="{FF2B5EF4-FFF2-40B4-BE49-F238E27FC236}">
-                <a16:creationId xmlns:a16="http://schemas.microsoft.com/office/drawing/2014/main" id="{DB1202B6-7680-4159-BFB5-B540F6823CDF}"/>
+                <a16:creationId xmlns:a16="http://schemas.microsoft.com/office/drawing/2014/main" id="{AC901E98-B13F-491D-9A69-F66FA11A537B}"/>
               </a:ext>
             </a:extLst>
           </p:cNvPr>
@@ -18330,16 +18440,14 @@
         </p:nvSpPr>
         <p:spPr>
           <a:xfrm>
-            <a:off x="7289547" y="822114"/>
-            <a:ext cx="332580" cy="205740"/>
+            <a:off x="2375852" y="3135722"/>
+            <a:ext cx="1287780" cy="701040"/>
           </a:xfrm>
-          <a:prstGeom prst="rightArrow">
+          <a:prstGeom prst="rect">
             <a:avLst/>
           </a:prstGeom>
           <a:solidFill>
-            <a:schemeClr val="accent4">
-              <a:lumMod val="75000"/>
-            </a:schemeClr>
+            <a:schemeClr val="tx1"/>
           </a:solidFill>
           <a:ln>
             <a:noFill/>
@@ -18366,57 +18474,22 @@
           <a:lstStyle/>
           <a:p>
             <a:pPr algn="ctr"/>
-            <a:endParaRPr lang="en-US"/>
+            <a:r>
+              <a:rPr lang="en-US" sz="1200" dirty="0">
+                <a:latin typeface="Times New Roman" panose="02020603050405020304" pitchFamily="18" charset="0"/>
+                <a:cs typeface="Times New Roman" panose="02020603050405020304" pitchFamily="18" charset="0"/>
+              </a:rPr>
+              <a:t>Feature Selection</a:t>
+            </a:r>
           </a:p>
         </p:txBody>
       </p:sp>
       <p:sp>
         <p:nvSpPr>
-          <p:cNvPr id="19" name="TextBox 18">
+          <p:cNvPr id="22" name="Rectangle 21">
             <a:extLst>
               <a:ext uri="{FF2B5EF4-FFF2-40B4-BE49-F238E27FC236}">
-                <a16:creationId xmlns:a16="http://schemas.microsoft.com/office/drawing/2014/main" id="{65E0B5DC-30C0-4E8E-8D14-35DF698C3463}"/>
-              </a:ext>
-            </a:extLst>
-          </p:cNvPr>
-          <p:cNvSpPr txBox="1"/>
-          <p:nvPr/>
-        </p:nvSpPr>
-        <p:spPr>
-          <a:xfrm>
-            <a:off x="697271" y="121344"/>
-            <a:ext cx="1015021" cy="369332"/>
-          </a:xfrm>
-          <a:prstGeom prst="rect">
-            <a:avLst/>
-          </a:prstGeom>
-          <a:noFill/>
-        </p:spPr>
-        <p:txBody>
-          <a:bodyPr wrap="none" rtlCol="0">
-            <a:spAutoFit/>
-          </a:bodyPr>
-          <a:lstStyle/>
-          <a:p>
-            <a:r>
-              <a:rPr lang="en-US" b="1" dirty="0">
-                <a:solidFill>
-                  <a:schemeClr val="accent4">
-                    <a:lumMod val="50000"/>
-                  </a:schemeClr>
-                </a:solidFill>
-              </a:rPr>
-              <a:t>LEVEL-1</a:t>
-            </a:r>
-          </a:p>
-        </p:txBody>
-      </p:sp>
-      <p:sp>
-        <p:nvSpPr>
-          <p:cNvPr id="20" name="Rectangle 19">
-            <a:extLst>
-              <a:ext uri="{FF2B5EF4-FFF2-40B4-BE49-F238E27FC236}">
-                <a16:creationId xmlns:a16="http://schemas.microsoft.com/office/drawing/2014/main" id="{EC528B2B-2C61-4C91-B83F-E156A1FDE46E}"/>
+                <a16:creationId xmlns:a16="http://schemas.microsoft.com/office/drawing/2014/main" id="{6207B0AF-E06C-479C-B13C-8DF81F7B847A}"/>
               </a:ext>
             </a:extLst>
           </p:cNvPr>
@@ -18425,16 +18498,14 @@
         </p:nvSpPr>
         <p:spPr>
           <a:xfrm>
-            <a:off x="2383071" y="2252302"/>
+            <a:off x="2383071" y="1376756"/>
             <a:ext cx="1287780" cy="701040"/>
           </a:xfrm>
           <a:prstGeom prst="rect">
             <a:avLst/>
           </a:prstGeom>
           <a:solidFill>
-            <a:schemeClr val="accent4">
-              <a:lumMod val="75000"/>
-            </a:schemeClr>
+            <a:schemeClr val="tx1"/>
           </a:solidFill>
           <a:ln>
             <a:noFill/>
@@ -18462,18 +18533,32 @@
           <a:p>
             <a:pPr algn="ctr"/>
             <a:r>
+              <a:rPr lang="en-US" sz="1200" dirty="0">
+                <a:latin typeface="Times New Roman" panose="02020603050405020304" pitchFamily="18" charset="0"/>
+                <a:cs typeface="Times New Roman" panose="02020603050405020304" pitchFamily="18" charset="0"/>
+              </a:rPr>
+              <a:t>Dimensionality</a:t>
+            </a:r>
+            <a:r>
               <a:rPr lang="en-US" sz="1200" dirty="0"/>
-              <a:t>Feature Extraction and Scaling</a:t>
+              <a:t> </a:t>
+            </a:r>
+            <a:r>
+              <a:rPr lang="en-US" sz="1200" dirty="0">
+                <a:latin typeface="Times New Roman" panose="02020603050405020304" pitchFamily="18" charset="0"/>
+                <a:cs typeface="Times New Roman" panose="02020603050405020304" pitchFamily="18" charset="0"/>
+              </a:rPr>
+              <a:t>Reduction</a:t>
             </a:r>
           </a:p>
         </p:txBody>
       </p:sp>
       <p:sp>
         <p:nvSpPr>
-          <p:cNvPr id="21" name="Rectangle 20">
+          <p:cNvPr id="23" name="Rectangle 22">
             <a:extLst>
               <a:ext uri="{FF2B5EF4-FFF2-40B4-BE49-F238E27FC236}">
-                <a16:creationId xmlns:a16="http://schemas.microsoft.com/office/drawing/2014/main" id="{AC901E98-B13F-491D-9A69-F66FA11A537B}"/>
+                <a16:creationId xmlns:a16="http://schemas.microsoft.com/office/drawing/2014/main" id="{1E77DFC7-37D0-4F8D-B682-DC5B4DE8308C}"/>
               </a:ext>
             </a:extLst>
           </p:cNvPr>
@@ -18482,16 +18567,14 @@
         </p:nvSpPr>
         <p:spPr>
           <a:xfrm>
-            <a:off x="2377628" y="3135121"/>
+            <a:off x="2383071" y="4019143"/>
             <a:ext cx="1287780" cy="701040"/>
           </a:xfrm>
           <a:prstGeom prst="rect">
             <a:avLst/>
           </a:prstGeom>
           <a:solidFill>
-            <a:schemeClr val="accent4">
-              <a:lumMod val="75000"/>
-            </a:schemeClr>
+            <a:schemeClr val="tx1"/>
           </a:solidFill>
           <a:ln>
             <a:noFill/>
@@ -18519,27 +18602,31 @@
           <a:p>
             <a:pPr algn="ctr"/>
             <a:r>
-              <a:rPr lang="en-US" sz="1200" dirty="0"/>
-              <a:t>Feature</a:t>
-            </a:r>
-            <a:r>
-              <a:rPr lang="en-US" sz="1400" dirty="0"/>
-              <a:t> </a:t>
-            </a:r>
-            <a:r>
-              <a:rPr lang="en-US" sz="1200" dirty="0"/>
-              <a:t>Selection</a:t>
-            </a:r>
-            <a:endParaRPr lang="en-US" sz="1400" dirty="0"/>
+              <a:rPr lang="en-US" sz="1200" dirty="0">
+                <a:latin typeface="Times New Roman" panose="02020603050405020304" pitchFamily="18" charset="0"/>
+                <a:cs typeface="Times New Roman" panose="02020603050405020304" pitchFamily="18" charset="0"/>
+              </a:rPr>
+              <a:t>Sampling and </a:t>
+            </a:r>
+          </a:p>
+          <a:p>
+            <a:pPr algn="ctr"/>
+            <a:r>
+              <a:rPr lang="en-US" sz="1200" dirty="0">
+                <a:latin typeface="Times New Roman" panose="02020603050405020304" pitchFamily="18" charset="0"/>
+                <a:cs typeface="Times New Roman" panose="02020603050405020304" pitchFamily="18" charset="0"/>
+              </a:rPr>
+              <a:t>Training Dataset</a:t>
+            </a:r>
           </a:p>
         </p:txBody>
       </p:sp>
       <p:sp>
         <p:nvSpPr>
-          <p:cNvPr id="22" name="Rectangle 21">
+          <p:cNvPr id="13" name="Rectangle 12">
             <a:extLst>
               <a:ext uri="{FF2B5EF4-FFF2-40B4-BE49-F238E27FC236}">
-                <a16:creationId xmlns:a16="http://schemas.microsoft.com/office/drawing/2014/main" id="{6207B0AF-E06C-479C-B13C-8DF81F7B847A}"/>
+                <a16:creationId xmlns:a16="http://schemas.microsoft.com/office/drawing/2014/main" id="{AF87C811-C6BD-48E2-8905-041B2D0DD0C8}"/>
               </a:ext>
             </a:extLst>
           </p:cNvPr>
@@ -18548,16 +18635,118 @@
         </p:nvSpPr>
         <p:spPr>
           <a:xfrm>
-            <a:off x="2383071" y="1376756"/>
+            <a:off x="2250375" y="490676"/>
+            <a:ext cx="1538734" cy="4441542"/>
+          </a:xfrm>
+          <a:prstGeom prst="rect">
+            <a:avLst/>
+          </a:prstGeom>
+          <a:noFill/>
+          <a:ln>
+            <a:solidFill>
+              <a:schemeClr val="tx1"/>
+            </a:solidFill>
+          </a:ln>
+        </p:spPr>
+        <p:style>
+          <a:lnRef idx="2">
+            <a:schemeClr val="accent1">
+              <a:shade val="50000"/>
+            </a:schemeClr>
+          </a:lnRef>
+          <a:fillRef idx="1">
+            <a:schemeClr val="accent1"/>
+          </a:fillRef>
+          <a:effectRef idx="0">
+            <a:schemeClr val="accent1"/>
+          </a:effectRef>
+          <a:fontRef idx="minor">
+            <a:schemeClr val="lt1"/>
+          </a:fontRef>
+        </p:style>
+        <p:txBody>
+          <a:bodyPr rtlCol="0" anchor="ctr"/>
+          <a:lstStyle/>
+          <a:p>
+            <a:pPr algn="ctr"/>
+            <a:endParaRPr lang="en-US" sz="1200"/>
+          </a:p>
+        </p:txBody>
+      </p:sp>
+      <p:sp>
+        <p:nvSpPr>
+          <p:cNvPr id="24" name="Rectangle 23">
+            <a:extLst>
+              <a:ext uri="{FF2B5EF4-FFF2-40B4-BE49-F238E27FC236}">
+                <a16:creationId xmlns:a16="http://schemas.microsoft.com/office/drawing/2014/main" id="{31588D0C-2C71-4D09-B62B-15115B368C9C}"/>
+              </a:ext>
+            </a:extLst>
+          </p:cNvPr>
+          <p:cNvSpPr/>
+          <p:nvPr/>
+        </p:nvSpPr>
+        <p:spPr>
+          <a:xfrm>
+            <a:off x="4130838" y="503370"/>
+            <a:ext cx="1538734" cy="3521216"/>
+          </a:xfrm>
+          <a:prstGeom prst="rect">
+            <a:avLst/>
+          </a:prstGeom>
+          <a:noFill/>
+          <a:ln>
+            <a:solidFill>
+              <a:schemeClr val="tx1"/>
+            </a:solidFill>
+          </a:ln>
+        </p:spPr>
+        <p:style>
+          <a:lnRef idx="2">
+            <a:schemeClr val="accent1">
+              <a:shade val="50000"/>
+            </a:schemeClr>
+          </a:lnRef>
+          <a:fillRef idx="1">
+            <a:schemeClr val="accent1"/>
+          </a:fillRef>
+          <a:effectRef idx="0">
+            <a:schemeClr val="accent1"/>
+          </a:effectRef>
+          <a:fontRef idx="minor">
+            <a:schemeClr val="lt1"/>
+          </a:fontRef>
+        </p:style>
+        <p:txBody>
+          <a:bodyPr rtlCol="0" anchor="ctr"/>
+          <a:lstStyle/>
+          <a:p>
+            <a:pPr algn="ctr"/>
+            <a:endParaRPr lang="en-US" sz="1200"/>
+          </a:p>
+        </p:txBody>
+      </p:sp>
+      <p:sp>
+        <p:nvSpPr>
+          <p:cNvPr id="25" name="Rectangle 24">
+            <a:extLst>
+              <a:ext uri="{FF2B5EF4-FFF2-40B4-BE49-F238E27FC236}">
+                <a16:creationId xmlns:a16="http://schemas.microsoft.com/office/drawing/2014/main" id="{B05AE78F-B24A-49C8-A604-42CF975CC4DE}"/>
+              </a:ext>
+            </a:extLst>
+          </p:cNvPr>
+          <p:cNvSpPr/>
+          <p:nvPr/>
+        </p:nvSpPr>
+        <p:spPr>
+          <a:xfrm>
+            <a:off x="4254469" y="1380882"/>
             <a:ext cx="1287780" cy="701040"/>
           </a:xfrm>
           <a:prstGeom prst="rect">
             <a:avLst/>
           </a:prstGeom>
           <a:solidFill>
-            <a:schemeClr val="accent4">
-              <a:lumMod val="75000"/>
-            </a:schemeClr>
+            <a:schemeClr val="tx1"/>
           </a:solidFill>
           <a:ln>
             <a:noFill/>
@@ -18585,18 +18774,21 @@
           <a:p>
             <a:pPr algn="ctr"/>
             <a:r>
-              <a:rPr lang="en-US" sz="1200" dirty="0"/>
-              <a:t>Dimensionality Reduction</a:t>
+              <a:rPr lang="en-US" sz="1200" dirty="0">
+                <a:latin typeface="Times New Roman" panose="02020603050405020304" pitchFamily="18" charset="0"/>
+                <a:cs typeface="Times New Roman" panose="02020603050405020304" pitchFamily="18" charset="0"/>
+              </a:rPr>
+              <a:t>Model Selection</a:t>
             </a:r>
           </a:p>
         </p:txBody>
       </p:sp>
       <p:sp>
         <p:nvSpPr>
-          <p:cNvPr id="23" name="Rectangle 22">
+          <p:cNvPr id="26" name="Rectangle 25">
             <a:extLst>
               <a:ext uri="{FF2B5EF4-FFF2-40B4-BE49-F238E27FC236}">
-                <a16:creationId xmlns:a16="http://schemas.microsoft.com/office/drawing/2014/main" id="{1E77DFC7-37D0-4F8D-B682-DC5B4DE8308C}"/>
+                <a16:creationId xmlns:a16="http://schemas.microsoft.com/office/drawing/2014/main" id="{8D0F9403-FBD9-43A6-BE4F-D38345C6AB16}"/>
               </a:ext>
             </a:extLst>
           </p:cNvPr>
@@ -18605,16 +18797,14 @@
         </p:nvSpPr>
         <p:spPr>
           <a:xfrm>
-            <a:off x="2383071" y="4019143"/>
+            <a:off x="4254469" y="2252302"/>
             <a:ext cx="1287780" cy="701040"/>
           </a:xfrm>
           <a:prstGeom prst="rect">
             <a:avLst/>
           </a:prstGeom>
           <a:solidFill>
-            <a:schemeClr val="accent4">
-              <a:lumMod val="75000"/>
-            </a:schemeClr>
+            <a:schemeClr val="tx1"/>
           </a:solidFill>
           <a:ln>
             <a:noFill/>
@@ -18642,25 +18832,21 @@
           <a:p>
             <a:pPr algn="ctr"/>
             <a:r>
-              <a:rPr lang="en-US" sz="1200" dirty="0"/>
-              <a:t>Sampling and </a:t>
-            </a:r>
-          </a:p>
-          <a:p>
-            <a:pPr algn="ctr"/>
-            <a:r>
-              <a:rPr lang="en-US" sz="1200" dirty="0"/>
-              <a:t>Training Dataset</a:t>
+              <a:rPr lang="en-US" sz="1200" dirty="0">
+                <a:latin typeface="Times New Roman" panose="02020603050405020304" pitchFamily="18" charset="0"/>
+                <a:cs typeface="Times New Roman" panose="02020603050405020304" pitchFamily="18" charset="0"/>
+              </a:rPr>
+              <a:t>Learnt Model</a:t>
             </a:r>
           </a:p>
         </p:txBody>
       </p:sp>
       <p:sp>
         <p:nvSpPr>
-          <p:cNvPr id="13" name="Rectangle 12">
+          <p:cNvPr id="27" name="Rectangle 26">
             <a:extLst>
               <a:ext uri="{FF2B5EF4-FFF2-40B4-BE49-F238E27FC236}">
-                <a16:creationId xmlns:a16="http://schemas.microsoft.com/office/drawing/2014/main" id="{AF87C811-C6BD-48E2-8905-041B2D0DD0C8}"/>
+                <a16:creationId xmlns:a16="http://schemas.microsoft.com/office/drawing/2014/main" id="{8887C54B-60C6-44AE-967F-A2881E16610F}"/>
               </a:ext>
             </a:extLst>
           </p:cNvPr>
@@ -18669,124 +18855,14 @@
         </p:nvSpPr>
         <p:spPr>
           <a:xfrm>
-            <a:off x="2250375" y="490676"/>
-            <a:ext cx="1538734" cy="4441542"/>
-          </a:xfrm>
-          <a:prstGeom prst="rect">
-            <a:avLst/>
-          </a:prstGeom>
-          <a:noFill/>
-          <a:ln>
-            <a:solidFill>
-              <a:schemeClr val="accent4">
-                <a:lumMod val="50000"/>
-              </a:schemeClr>
-            </a:solidFill>
-          </a:ln>
-        </p:spPr>
-        <p:style>
-          <a:lnRef idx="2">
-            <a:schemeClr val="accent1">
-              <a:shade val="50000"/>
-            </a:schemeClr>
-          </a:lnRef>
-          <a:fillRef idx="1">
-            <a:schemeClr val="accent1"/>
-          </a:fillRef>
-          <a:effectRef idx="0">
-            <a:schemeClr val="accent1"/>
-          </a:effectRef>
-          <a:fontRef idx="minor">
-            <a:schemeClr val="lt1"/>
-          </a:fontRef>
-        </p:style>
-        <p:txBody>
-          <a:bodyPr rtlCol="0" anchor="ctr"/>
-          <a:lstStyle/>
-          <a:p>
-            <a:pPr algn="ctr"/>
-            <a:endParaRPr lang="en-US"/>
-          </a:p>
-        </p:txBody>
-      </p:sp>
-      <p:sp>
-        <p:nvSpPr>
-          <p:cNvPr id="24" name="Rectangle 23">
-            <a:extLst>
-              <a:ext uri="{FF2B5EF4-FFF2-40B4-BE49-F238E27FC236}">
-                <a16:creationId xmlns:a16="http://schemas.microsoft.com/office/drawing/2014/main" id="{31588D0C-2C71-4D09-B62B-15115B368C9C}"/>
-              </a:ext>
-            </a:extLst>
-          </p:cNvPr>
-          <p:cNvSpPr/>
-          <p:nvPr/>
-        </p:nvSpPr>
-        <p:spPr>
-          <a:xfrm>
-            <a:off x="4130838" y="503370"/>
-            <a:ext cx="1538734" cy="3521216"/>
-          </a:xfrm>
-          <a:prstGeom prst="rect">
-            <a:avLst/>
-          </a:prstGeom>
-          <a:noFill/>
-          <a:ln>
-            <a:solidFill>
-              <a:schemeClr val="accent4">
-                <a:lumMod val="50000"/>
-              </a:schemeClr>
-            </a:solidFill>
-          </a:ln>
-        </p:spPr>
-        <p:style>
-          <a:lnRef idx="2">
-            <a:schemeClr val="accent1">
-              <a:shade val="50000"/>
-            </a:schemeClr>
-          </a:lnRef>
-          <a:fillRef idx="1">
-            <a:schemeClr val="accent1"/>
-          </a:fillRef>
-          <a:effectRef idx="0">
-            <a:schemeClr val="accent1"/>
-          </a:effectRef>
-          <a:fontRef idx="minor">
-            <a:schemeClr val="lt1"/>
-          </a:fontRef>
-        </p:style>
-        <p:txBody>
-          <a:bodyPr rtlCol="0" anchor="ctr"/>
-          <a:lstStyle/>
-          <a:p>
-            <a:pPr algn="ctr"/>
-            <a:endParaRPr lang="en-US"/>
-          </a:p>
-        </p:txBody>
-      </p:sp>
-      <p:sp>
-        <p:nvSpPr>
-          <p:cNvPr id="25" name="Rectangle 24">
-            <a:extLst>
-              <a:ext uri="{FF2B5EF4-FFF2-40B4-BE49-F238E27FC236}">
-                <a16:creationId xmlns:a16="http://schemas.microsoft.com/office/drawing/2014/main" id="{B05AE78F-B24A-49C8-A604-42CF975CC4DE}"/>
-              </a:ext>
-            </a:extLst>
-          </p:cNvPr>
-          <p:cNvSpPr/>
-          <p:nvPr/>
-        </p:nvSpPr>
-        <p:spPr>
-          <a:xfrm>
-            <a:off x="4254469" y="1380882"/>
+            <a:off x="4254469" y="3112836"/>
             <a:ext cx="1287780" cy="701040"/>
           </a:xfrm>
           <a:prstGeom prst="rect">
             <a:avLst/>
           </a:prstGeom>
           <a:solidFill>
-            <a:schemeClr val="accent4">
-              <a:lumMod val="75000"/>
-            </a:schemeClr>
+            <a:schemeClr val="tx1"/>
           </a:solidFill>
           <a:ln>
             <a:noFill/>
@@ -18814,18 +18890,21 @@
           <a:p>
             <a:pPr algn="ctr"/>
             <a:r>
-              <a:rPr lang="en-US" sz="1200" dirty="0"/>
-              <a:t>Model Selection</a:t>
+              <a:rPr lang="en-US" sz="1200" dirty="0">
+                <a:latin typeface="Times New Roman" panose="02020603050405020304" pitchFamily="18" charset="0"/>
+                <a:cs typeface="Times New Roman" panose="02020603050405020304" pitchFamily="18" charset="0"/>
+              </a:rPr>
+              <a:t>Cross Validation</a:t>
             </a:r>
           </a:p>
         </p:txBody>
       </p:sp>
       <p:sp>
         <p:nvSpPr>
-          <p:cNvPr id="26" name="Rectangle 25">
+          <p:cNvPr id="28" name="Arrow: Down 27">
             <a:extLst>
               <a:ext uri="{FF2B5EF4-FFF2-40B4-BE49-F238E27FC236}">
-                <a16:creationId xmlns:a16="http://schemas.microsoft.com/office/drawing/2014/main" id="{8D0F9403-FBD9-43A6-BE4F-D38345C6AB16}"/>
+                <a16:creationId xmlns:a16="http://schemas.microsoft.com/office/drawing/2014/main" id="{68004280-707F-4847-BF61-193169950044}"/>
               </a:ext>
             </a:extLst>
           </p:cNvPr>
@@ -18834,16 +18913,14 @@
         </p:nvSpPr>
         <p:spPr>
           <a:xfrm>
-            <a:off x="4254469" y="2252302"/>
-            <a:ext cx="1287780" cy="701040"/>
+            <a:off x="2923308" y="2077796"/>
+            <a:ext cx="159327" cy="176336"/>
           </a:xfrm>
-          <a:prstGeom prst="rect">
+          <a:prstGeom prst="downArrow">
             <a:avLst/>
           </a:prstGeom>
           <a:solidFill>
-            <a:schemeClr val="accent4">
-              <a:lumMod val="75000"/>
-            </a:schemeClr>
+            <a:schemeClr val="tx1"/>
           </a:solidFill>
           <a:ln>
             <a:noFill/>
@@ -18870,19 +18947,16 @@
           <a:lstStyle/>
           <a:p>
             <a:pPr algn="ctr"/>
-            <a:r>
-              <a:rPr lang="en-US" sz="1200" dirty="0"/>
-              <a:t>Learnt Model</a:t>
-            </a:r>
+            <a:endParaRPr lang="en-US" sz="1200"/>
           </a:p>
         </p:txBody>
       </p:sp>
       <p:sp>
         <p:nvSpPr>
-          <p:cNvPr id="27" name="Rectangle 26">
+          <p:cNvPr id="29" name="Arrow: Down 28">
             <a:extLst>
               <a:ext uri="{FF2B5EF4-FFF2-40B4-BE49-F238E27FC236}">
-                <a16:creationId xmlns:a16="http://schemas.microsoft.com/office/drawing/2014/main" id="{8887C54B-60C6-44AE-967F-A2881E16610F}"/>
+                <a16:creationId xmlns:a16="http://schemas.microsoft.com/office/drawing/2014/main" id="{46233CB4-ACB9-46F7-9C41-610ED27937C3}"/>
               </a:ext>
             </a:extLst>
           </p:cNvPr>
@@ -18891,16 +18965,14 @@
         </p:nvSpPr>
         <p:spPr>
           <a:xfrm>
-            <a:off x="4254469" y="3112836"/>
-            <a:ext cx="1287780" cy="701040"/>
+            <a:off x="2923307" y="2953342"/>
+            <a:ext cx="159327" cy="176336"/>
           </a:xfrm>
-          <a:prstGeom prst="rect">
+          <a:prstGeom prst="downArrow">
             <a:avLst/>
           </a:prstGeom>
           <a:solidFill>
-            <a:schemeClr val="accent4">
-              <a:lumMod val="75000"/>
-            </a:schemeClr>
+            <a:schemeClr val="tx1"/>
           </a:solidFill>
           <a:ln>
             <a:noFill/>
@@ -18927,19 +18999,16 @@
           <a:lstStyle/>
           <a:p>
             <a:pPr algn="ctr"/>
-            <a:r>
-              <a:rPr lang="en-US" sz="1200" dirty="0"/>
-              <a:t>Cross Validation</a:t>
-            </a:r>
+            <a:endParaRPr lang="en-US" sz="1200"/>
           </a:p>
         </p:txBody>
       </p:sp>
       <p:sp>
         <p:nvSpPr>
-          <p:cNvPr id="28" name="Arrow: Down 27">
+          <p:cNvPr id="30" name="Arrow: Down 29">
             <a:extLst>
               <a:ext uri="{FF2B5EF4-FFF2-40B4-BE49-F238E27FC236}">
-                <a16:creationId xmlns:a16="http://schemas.microsoft.com/office/drawing/2014/main" id="{68004280-707F-4847-BF61-193169950044}"/>
+                <a16:creationId xmlns:a16="http://schemas.microsoft.com/office/drawing/2014/main" id="{367E69D9-5C83-47D4-96BF-DBF0D495497A}"/>
               </a:ext>
             </a:extLst>
           </p:cNvPr>
@@ -18948,16 +19017,14 @@
         </p:nvSpPr>
         <p:spPr>
           <a:xfrm>
-            <a:off x="2923308" y="2077796"/>
+            <a:off x="2947297" y="3828888"/>
             <a:ext cx="159327" cy="176336"/>
           </a:xfrm>
           <a:prstGeom prst="downArrow">
             <a:avLst/>
           </a:prstGeom>
           <a:solidFill>
-            <a:schemeClr val="accent4">
-              <a:lumMod val="75000"/>
-            </a:schemeClr>
+            <a:schemeClr val="tx1"/>
           </a:solidFill>
           <a:ln>
             <a:noFill/>
@@ -18984,16 +19051,16 @@
           <a:lstStyle/>
           <a:p>
             <a:pPr algn="ctr"/>
-            <a:endParaRPr lang="en-US"/>
+            <a:endParaRPr lang="en-US" sz="1200"/>
           </a:p>
         </p:txBody>
       </p:sp>
       <p:sp>
         <p:nvSpPr>
-          <p:cNvPr id="29" name="Arrow: Down 28">
+          <p:cNvPr id="32" name="Arrow: Down 31">
             <a:extLst>
               <a:ext uri="{FF2B5EF4-FFF2-40B4-BE49-F238E27FC236}">
-                <a16:creationId xmlns:a16="http://schemas.microsoft.com/office/drawing/2014/main" id="{46233CB4-ACB9-46F7-9C41-610ED27937C3}"/>
+                <a16:creationId xmlns:a16="http://schemas.microsoft.com/office/drawing/2014/main" id="{A2E6DC93-F9AF-4D43-91F1-5ACDC05533EA}"/>
               </a:ext>
             </a:extLst>
           </p:cNvPr>
@@ -19002,16 +19069,14 @@
         </p:nvSpPr>
         <p:spPr>
           <a:xfrm>
-            <a:off x="2923307" y="2953342"/>
+            <a:off x="4817411" y="2078442"/>
             <a:ext cx="159327" cy="176336"/>
           </a:xfrm>
           <a:prstGeom prst="downArrow">
             <a:avLst/>
           </a:prstGeom>
           <a:solidFill>
-            <a:schemeClr val="accent4">
-              <a:lumMod val="75000"/>
-            </a:schemeClr>
+            <a:schemeClr val="tx1"/>
           </a:solidFill>
           <a:ln>
             <a:noFill/>
@@ -19038,16 +19103,16 @@
           <a:lstStyle/>
           <a:p>
             <a:pPr algn="ctr"/>
-            <a:endParaRPr lang="en-US"/>
+            <a:endParaRPr lang="en-US" sz="1200"/>
           </a:p>
         </p:txBody>
       </p:sp>
       <p:sp>
         <p:nvSpPr>
-          <p:cNvPr id="30" name="Arrow: Down 29">
+          <p:cNvPr id="33" name="Arrow: Down 32">
             <a:extLst>
               <a:ext uri="{FF2B5EF4-FFF2-40B4-BE49-F238E27FC236}">
-                <a16:creationId xmlns:a16="http://schemas.microsoft.com/office/drawing/2014/main" id="{367E69D9-5C83-47D4-96BF-DBF0D495497A}"/>
+                <a16:creationId xmlns:a16="http://schemas.microsoft.com/office/drawing/2014/main" id="{95F21846-E454-47E5-ADA7-DD19BAFF4121}"/>
               </a:ext>
             </a:extLst>
           </p:cNvPr>
@@ -19056,16 +19121,14 @@
         </p:nvSpPr>
         <p:spPr>
           <a:xfrm>
-            <a:off x="2947297" y="3828888"/>
+            <a:off x="4810481" y="2931314"/>
             <a:ext cx="159327" cy="176336"/>
           </a:xfrm>
           <a:prstGeom prst="downArrow">
             <a:avLst/>
           </a:prstGeom>
           <a:solidFill>
-            <a:schemeClr val="accent4">
-              <a:lumMod val="75000"/>
-            </a:schemeClr>
+            <a:schemeClr val="tx1"/>
           </a:solidFill>
           <a:ln>
             <a:noFill/>
@@ -19092,115 +19155,7 @@
           <a:lstStyle/>
           <a:p>
             <a:pPr algn="ctr"/>
-            <a:endParaRPr lang="en-US"/>
-          </a:p>
-        </p:txBody>
-      </p:sp>
-      <p:sp>
-        <p:nvSpPr>
-          <p:cNvPr id="32" name="Arrow: Down 31">
-            <a:extLst>
-              <a:ext uri="{FF2B5EF4-FFF2-40B4-BE49-F238E27FC236}">
-                <a16:creationId xmlns:a16="http://schemas.microsoft.com/office/drawing/2014/main" id="{A2E6DC93-F9AF-4D43-91F1-5ACDC05533EA}"/>
-              </a:ext>
-            </a:extLst>
-          </p:cNvPr>
-          <p:cNvSpPr/>
-          <p:nvPr/>
-        </p:nvSpPr>
-        <p:spPr>
-          <a:xfrm>
-            <a:off x="4817411" y="2078442"/>
-            <a:ext cx="159327" cy="176336"/>
-          </a:xfrm>
-          <a:prstGeom prst="downArrow">
-            <a:avLst/>
-          </a:prstGeom>
-          <a:solidFill>
-            <a:schemeClr val="accent4">
-              <a:lumMod val="75000"/>
-            </a:schemeClr>
-          </a:solidFill>
-          <a:ln>
-            <a:noFill/>
-          </a:ln>
-        </p:spPr>
-        <p:style>
-          <a:lnRef idx="2">
-            <a:schemeClr val="accent1">
-              <a:shade val="50000"/>
-            </a:schemeClr>
-          </a:lnRef>
-          <a:fillRef idx="1">
-            <a:schemeClr val="accent1"/>
-          </a:fillRef>
-          <a:effectRef idx="0">
-            <a:schemeClr val="accent1"/>
-          </a:effectRef>
-          <a:fontRef idx="minor">
-            <a:schemeClr val="lt1"/>
-          </a:fontRef>
-        </p:style>
-        <p:txBody>
-          <a:bodyPr rtlCol="0" anchor="ctr"/>
-          <a:lstStyle/>
-          <a:p>
-            <a:pPr algn="ctr"/>
-            <a:endParaRPr lang="en-US"/>
-          </a:p>
-        </p:txBody>
-      </p:sp>
-      <p:sp>
-        <p:nvSpPr>
-          <p:cNvPr id="33" name="Arrow: Down 32">
-            <a:extLst>
-              <a:ext uri="{FF2B5EF4-FFF2-40B4-BE49-F238E27FC236}">
-                <a16:creationId xmlns:a16="http://schemas.microsoft.com/office/drawing/2014/main" id="{95F21846-E454-47E5-ADA7-DD19BAFF4121}"/>
-              </a:ext>
-            </a:extLst>
-          </p:cNvPr>
-          <p:cNvSpPr/>
-          <p:nvPr/>
-        </p:nvSpPr>
-        <p:spPr>
-          <a:xfrm>
-            <a:off x="4810481" y="2931314"/>
-            <a:ext cx="159327" cy="176336"/>
-          </a:xfrm>
-          <a:prstGeom prst="downArrow">
-            <a:avLst/>
-          </a:prstGeom>
-          <a:solidFill>
-            <a:schemeClr val="accent4">
-              <a:lumMod val="75000"/>
-            </a:schemeClr>
-          </a:solidFill>
-          <a:ln>
-            <a:noFill/>
-          </a:ln>
-        </p:spPr>
-        <p:style>
-          <a:lnRef idx="2">
-            <a:schemeClr val="accent1">
-              <a:shade val="50000"/>
-            </a:schemeClr>
-          </a:lnRef>
-          <a:fillRef idx="1">
-            <a:schemeClr val="accent1"/>
-          </a:fillRef>
-          <a:effectRef idx="0">
-            <a:schemeClr val="accent1"/>
-          </a:effectRef>
-          <a:fontRef idx="minor">
-            <a:schemeClr val="lt1"/>
-          </a:fontRef>
-        </p:style>
-        <p:txBody>
-          <a:bodyPr rtlCol="0" anchor="ctr"/>
-          <a:lstStyle/>
-          <a:p>
-            <a:pPr algn="ctr"/>
-            <a:endParaRPr lang="en-US"/>
+            <a:endParaRPr lang="en-US" sz="1200"/>
           </a:p>
         </p:txBody>
       </p:sp>
@@ -19255,9 +19210,7 @@
             <a:avLst/>
           </a:prstGeom>
           <a:solidFill>
-            <a:schemeClr val="accent4">
-              <a:lumMod val="75000"/>
-            </a:schemeClr>
+            <a:schemeClr val="tx1"/>
           </a:solidFill>
           <a:ln>
             <a:noFill/>
@@ -19285,7 +19238,10 @@
           <a:p>
             <a:pPr algn="ctr"/>
             <a:r>
-              <a:rPr lang="en-US" sz="1200" dirty="0"/>
+              <a:rPr lang="en-US" sz="1200" dirty="0">
+                <a:latin typeface="Times New Roman" panose="02020603050405020304" pitchFamily="18" charset="0"/>
+                <a:cs typeface="Times New Roman" panose="02020603050405020304" pitchFamily="18" charset="0"/>
+              </a:rPr>
               <a:t>Raw Data</a:t>
             </a:r>
           </a:p>
@@ -19314,9 +19270,7 @@
           <a:noFill/>
           <a:ln>
             <a:solidFill>
-              <a:schemeClr val="accent4">
-                <a:lumMod val="50000"/>
-              </a:schemeClr>
+              <a:schemeClr val="tx1"/>
             </a:solidFill>
           </a:ln>
         </p:spPr>
@@ -19344,10 +19298,10 @@
             <a:r>
               <a:rPr lang="en-US" sz="1200" b="1" dirty="0">
                 <a:solidFill>
-                  <a:schemeClr val="accent4">
-                    <a:lumMod val="50000"/>
-                  </a:schemeClr>
-                </a:solidFill>
+                  <a:schemeClr val="tx1"/>
+                </a:solidFill>
+                <a:latin typeface="Times New Roman" panose="02020603050405020304" pitchFamily="18" charset="0"/>
+                <a:cs typeface="Times New Roman" panose="02020603050405020304" pitchFamily="18" charset="0"/>
               </a:rPr>
               <a:t>Pre-Processing</a:t>
             </a:r>
@@ -19377,9 +19331,7 @@
           <a:noFill/>
           <a:ln>
             <a:solidFill>
-              <a:schemeClr val="accent4">
-                <a:lumMod val="50000"/>
-              </a:schemeClr>
+              <a:schemeClr val="tx1"/>
             </a:solidFill>
           </a:ln>
         </p:spPr>
@@ -19407,20 +19359,13 @@
             <a:r>
               <a:rPr lang="en-US" sz="1200" b="1" dirty="0">
                 <a:solidFill>
-                  <a:schemeClr val="accent4">
-                    <a:lumMod val="50000"/>
-                  </a:schemeClr>
-                </a:solidFill>
+                  <a:schemeClr val="tx1"/>
+                </a:solidFill>
+                <a:latin typeface="Times New Roman" panose="02020603050405020304" pitchFamily="18" charset="0"/>
+                <a:cs typeface="Times New Roman" panose="02020603050405020304" pitchFamily="18" charset="0"/>
               </a:rPr>
               <a:t>Learning</a:t>
             </a:r>
-            <a:endParaRPr lang="en-US" sz="1600" b="1" dirty="0">
-              <a:solidFill>
-                <a:schemeClr val="accent4">
-                  <a:lumMod val="50000"/>
-                </a:schemeClr>
-              </a:solidFill>
-            </a:endParaRPr>
           </a:p>
         </p:txBody>
       </p:sp>
@@ -19447,9 +19392,7 @@
           <a:noFill/>
           <a:ln>
             <a:solidFill>
-              <a:schemeClr val="accent4">
-                <a:lumMod val="50000"/>
-              </a:schemeClr>
+              <a:schemeClr val="tx1"/>
             </a:solidFill>
           </a:ln>
         </p:spPr>
@@ -19477,20 +19420,13 @@
             <a:r>
               <a:rPr lang="en-US" sz="1200" b="1" dirty="0">
                 <a:solidFill>
-                  <a:schemeClr val="accent4">
-                    <a:lumMod val="50000"/>
-                  </a:schemeClr>
-                </a:solidFill>
+                  <a:schemeClr val="tx1"/>
+                </a:solidFill>
+                <a:latin typeface="Times New Roman" panose="02020603050405020304" pitchFamily="18" charset="0"/>
+                <a:cs typeface="Times New Roman" panose="02020603050405020304" pitchFamily="18" charset="0"/>
               </a:rPr>
               <a:t>Evaluation</a:t>
             </a:r>
-            <a:endParaRPr lang="en-US" sz="1400" b="1" dirty="0">
-              <a:solidFill>
-                <a:schemeClr val="accent4">
-                  <a:lumMod val="50000"/>
-                </a:schemeClr>
-              </a:solidFill>
-            </a:endParaRPr>
           </a:p>
         </p:txBody>
       </p:sp>
@@ -19517,9 +19453,7 @@
           <a:noFill/>
           <a:ln>
             <a:solidFill>
-              <a:schemeClr val="accent4">
-                <a:lumMod val="50000"/>
-              </a:schemeClr>
+              <a:schemeClr val="tx1"/>
             </a:solidFill>
           </a:ln>
         </p:spPr>
@@ -19547,20 +19481,13 @@
             <a:r>
               <a:rPr lang="en-US" sz="1200" b="1" dirty="0">
                 <a:solidFill>
-                  <a:schemeClr val="accent4">
-                    <a:lumMod val="50000"/>
-                  </a:schemeClr>
-                </a:solidFill>
+                  <a:schemeClr val="tx1"/>
+                </a:solidFill>
+                <a:latin typeface="Times New Roman" panose="02020603050405020304" pitchFamily="18" charset="0"/>
+                <a:cs typeface="Times New Roman" panose="02020603050405020304" pitchFamily="18" charset="0"/>
               </a:rPr>
               <a:t>Prediction</a:t>
             </a:r>
-            <a:endParaRPr lang="en-US" sz="1400" b="1" dirty="0">
-              <a:solidFill>
-                <a:schemeClr val="accent4">
-                  <a:lumMod val="50000"/>
-                </a:schemeClr>
-              </a:solidFill>
-            </a:endParaRPr>
           </a:p>
         </p:txBody>
       </p:sp>
@@ -19585,9 +19512,7 @@
             <a:avLst/>
           </a:prstGeom>
           <a:solidFill>
-            <a:schemeClr val="accent4">
-              <a:lumMod val="75000"/>
-            </a:schemeClr>
+            <a:schemeClr val="tx1"/>
           </a:solidFill>
           <a:ln>
             <a:noFill/>
@@ -19614,7 +19539,10 @@
           <a:lstStyle/>
           <a:p>
             <a:pPr algn="ctr"/>
-            <a:endParaRPr lang="en-US"/>
+            <a:endParaRPr lang="en-US" sz="1200">
+              <a:latin typeface="Times New Roman" panose="02020603050405020304" pitchFamily="18" charset="0"/>
+              <a:cs typeface="Times New Roman" panose="02020603050405020304" pitchFamily="18" charset="0"/>
+            </a:endParaRPr>
           </a:p>
         </p:txBody>
       </p:sp>
@@ -19639,9 +19567,7 @@
             <a:avLst/>
           </a:prstGeom>
           <a:solidFill>
-            <a:schemeClr val="accent4">
-              <a:lumMod val="75000"/>
-            </a:schemeClr>
+            <a:schemeClr val="tx1"/>
           </a:solidFill>
           <a:ln>
             <a:noFill/>
@@ -19668,7 +19594,10 @@
           <a:lstStyle/>
           <a:p>
             <a:pPr algn="ctr"/>
-            <a:endParaRPr lang="en-US"/>
+            <a:endParaRPr lang="en-US" sz="1200">
+              <a:latin typeface="Times New Roman" panose="02020603050405020304" pitchFamily="18" charset="0"/>
+              <a:cs typeface="Times New Roman" panose="02020603050405020304" pitchFamily="18" charset="0"/>
+            </a:endParaRPr>
           </a:p>
         </p:txBody>
       </p:sp>
@@ -19693,9 +19622,7 @@
             <a:avLst/>
           </a:prstGeom>
           <a:solidFill>
-            <a:schemeClr val="accent4">
-              <a:lumMod val="75000"/>
-            </a:schemeClr>
+            <a:schemeClr val="tx1"/>
           </a:solidFill>
           <a:ln>
             <a:noFill/>
@@ -19722,7 +19649,10 @@
           <a:lstStyle/>
           <a:p>
             <a:pPr algn="ctr"/>
-            <a:endParaRPr lang="en-US"/>
+            <a:endParaRPr lang="en-US" sz="1200">
+              <a:latin typeface="Times New Roman" panose="02020603050405020304" pitchFamily="18" charset="0"/>
+              <a:cs typeface="Times New Roman" panose="02020603050405020304" pitchFamily="18" charset="0"/>
+            </a:endParaRPr>
           </a:p>
         </p:txBody>
       </p:sp>
@@ -19747,9 +19677,7 @@
             <a:avLst/>
           </a:prstGeom>
           <a:solidFill>
-            <a:schemeClr val="accent4">
-              <a:lumMod val="75000"/>
-            </a:schemeClr>
+            <a:schemeClr val="tx1"/>
           </a:solidFill>
           <a:ln>
             <a:noFill/>
@@ -19776,7 +19704,10 @@
           <a:lstStyle/>
           <a:p>
             <a:pPr algn="ctr"/>
-            <a:endParaRPr lang="en-US"/>
+            <a:endParaRPr lang="en-US" sz="1200">
+              <a:latin typeface="Times New Roman" panose="02020603050405020304" pitchFamily="18" charset="0"/>
+              <a:cs typeface="Times New Roman" panose="02020603050405020304" pitchFamily="18" charset="0"/>
+            </a:endParaRPr>
           </a:p>
         </p:txBody>
       </p:sp>
@@ -19844,9 +19775,7 @@
           <a:noFill/>
           <a:ln>
             <a:solidFill>
-              <a:schemeClr val="accent4">
-                <a:lumMod val="50000"/>
-              </a:schemeClr>
+              <a:schemeClr val="tx1"/>
             </a:solidFill>
           </a:ln>
         </p:spPr>
@@ -19871,7 +19800,10 @@
           <a:lstStyle/>
           <a:p>
             <a:pPr algn="ctr"/>
-            <a:endParaRPr lang="en-US"/>
+            <a:endParaRPr lang="en-US" sz="1200">
+              <a:latin typeface="Times New Roman" panose="02020603050405020304" pitchFamily="18" charset="0"/>
+              <a:cs typeface="Times New Roman" panose="02020603050405020304" pitchFamily="18" charset="0"/>
+            </a:endParaRPr>
           </a:p>
         </p:txBody>
       </p:sp>
@@ -19898,9 +19830,7 @@
           <a:noFill/>
           <a:ln>
             <a:solidFill>
-              <a:schemeClr val="accent4">
-                <a:lumMod val="50000"/>
-              </a:schemeClr>
+              <a:schemeClr val="tx1"/>
             </a:solidFill>
           </a:ln>
         </p:spPr>
@@ -19925,7 +19855,10 @@
           <a:lstStyle/>
           <a:p>
             <a:pPr algn="ctr"/>
-            <a:endParaRPr lang="en-US"/>
+            <a:endParaRPr lang="en-US" sz="1200">
+              <a:latin typeface="Times New Roman" panose="02020603050405020304" pitchFamily="18" charset="0"/>
+              <a:cs typeface="Times New Roman" panose="02020603050405020304" pitchFamily="18" charset="0"/>
+            </a:endParaRPr>
           </a:p>
         </p:txBody>
       </p:sp>
@@ -19950,9 +19883,7 @@
             <a:avLst/>
           </a:prstGeom>
           <a:solidFill>
-            <a:schemeClr val="accent4">
-              <a:lumMod val="75000"/>
-            </a:schemeClr>
+            <a:schemeClr val="tx1"/>
           </a:solidFill>
           <a:ln>
             <a:noFill/>
@@ -19980,7 +19911,10 @@
           <a:p>
             <a:pPr algn="ctr"/>
             <a:r>
-              <a:rPr lang="en-US" sz="1200" dirty="0"/>
+              <a:rPr lang="en-US" sz="1200" dirty="0">
+                <a:latin typeface="Times New Roman" panose="02020603050405020304" pitchFamily="18" charset="0"/>
+                <a:cs typeface="Times New Roman" panose="02020603050405020304" pitchFamily="18" charset="0"/>
+              </a:rPr>
               <a:t>Performance Metric</a:t>
             </a:r>
           </a:p>
@@ -20007,9 +19941,7 @@
             <a:avLst/>
           </a:prstGeom>
           <a:solidFill>
-            <a:schemeClr val="accent4">
-              <a:lumMod val="75000"/>
-            </a:schemeClr>
+            <a:schemeClr val="tx1"/>
           </a:solidFill>
           <a:ln>
             <a:noFill/>
@@ -20037,7 +19969,10 @@
           <a:p>
             <a:pPr algn="ctr"/>
             <a:r>
-              <a:rPr lang="en-US" sz="1200" dirty="0"/>
+              <a:rPr lang="en-US" sz="1200" dirty="0">
+                <a:latin typeface="Times New Roman" panose="02020603050405020304" pitchFamily="18" charset="0"/>
+                <a:cs typeface="Times New Roman" panose="02020603050405020304" pitchFamily="18" charset="0"/>
+              </a:rPr>
               <a:t>Test Data</a:t>
             </a:r>
           </a:p>
@@ -20064,9 +19999,7 @@
             <a:avLst/>
           </a:prstGeom>
           <a:solidFill>
-            <a:schemeClr val="accent4">
-              <a:lumMod val="75000"/>
-            </a:schemeClr>
+            <a:schemeClr val="tx1"/>
           </a:solidFill>
           <a:ln>
             <a:noFill/>
@@ -20094,7 +20027,10 @@
           <a:p>
             <a:pPr algn="ctr"/>
             <a:r>
-              <a:rPr lang="en-US" sz="1200" dirty="0"/>
+              <a:rPr lang="en-US" sz="1200" dirty="0">
+                <a:latin typeface="Times New Roman" panose="02020603050405020304" pitchFamily="18" charset="0"/>
+                <a:cs typeface="Times New Roman" panose="02020603050405020304" pitchFamily="18" charset="0"/>
+              </a:rPr>
               <a:t>Final Model</a:t>
             </a:r>
           </a:p>
@@ -20121,9 +20057,7 @@
             <a:avLst/>
           </a:prstGeom>
           <a:solidFill>
-            <a:schemeClr val="accent4">
-              <a:lumMod val="75000"/>
-            </a:schemeClr>
+            <a:schemeClr val="tx1"/>
           </a:solidFill>
           <a:ln>
             <a:noFill/>
@@ -20151,7 +20085,10 @@
           <a:p>
             <a:pPr algn="ctr"/>
             <a:r>
-              <a:rPr lang="en-US" sz="1200" dirty="0"/>
+              <a:rPr lang="en-US" sz="1200" dirty="0">
+                <a:latin typeface="Times New Roman" panose="02020603050405020304" pitchFamily="18" charset="0"/>
+                <a:cs typeface="Times New Roman" panose="02020603050405020304" pitchFamily="18" charset="0"/>
+              </a:rPr>
               <a:t>New Data</a:t>
             </a:r>
           </a:p>
@@ -20180,9 +20117,7 @@
           <a:noFill/>
           <a:ln>
             <a:solidFill>
-              <a:schemeClr val="accent4">
-                <a:lumMod val="50000"/>
-              </a:schemeClr>
+              <a:schemeClr val="tx1"/>
             </a:solidFill>
           </a:ln>
         </p:spPr>
@@ -20207,7 +20142,10 @@
           <a:lstStyle/>
           <a:p>
             <a:pPr algn="ctr"/>
-            <a:endParaRPr lang="en-US"/>
+            <a:endParaRPr lang="en-US" sz="1200">
+              <a:latin typeface="Times New Roman" panose="02020603050405020304" pitchFamily="18" charset="0"/>
+              <a:cs typeface="Times New Roman" panose="02020603050405020304" pitchFamily="18" charset="0"/>
+            </a:endParaRPr>
           </a:p>
         </p:txBody>
       </p:sp>
@@ -20234,9 +20172,7 @@
           <a:noFill/>
           <a:ln>
             <a:solidFill>
-              <a:schemeClr val="accent4">
-                <a:lumMod val="50000"/>
-              </a:schemeClr>
+              <a:schemeClr val="tx1"/>
             </a:solidFill>
           </a:ln>
         </p:spPr>
@@ -20261,7 +20197,10 @@
           <a:lstStyle/>
           <a:p>
             <a:pPr algn="ctr"/>
-            <a:endParaRPr lang="en-US"/>
+            <a:endParaRPr lang="en-US" sz="1200">
+              <a:latin typeface="Times New Roman" panose="02020603050405020304" pitchFamily="18" charset="0"/>
+              <a:cs typeface="Times New Roman" panose="02020603050405020304" pitchFamily="18" charset="0"/>
+            </a:endParaRPr>
           </a:p>
         </p:txBody>
       </p:sp>
@@ -20286,9 +20225,7 @@
             <a:avLst/>
           </a:prstGeom>
           <a:solidFill>
-            <a:schemeClr val="accent4">
-              <a:lumMod val="75000"/>
-            </a:schemeClr>
+            <a:schemeClr val="tx1"/>
           </a:solidFill>
           <a:ln>
             <a:noFill/>
@@ -20315,7 +20252,10 @@
           <a:lstStyle/>
           <a:p>
             <a:pPr algn="ctr"/>
-            <a:endParaRPr lang="en-US"/>
+            <a:endParaRPr lang="en-US" sz="1200">
+              <a:latin typeface="Times New Roman" panose="02020603050405020304" pitchFamily="18" charset="0"/>
+              <a:cs typeface="Times New Roman" panose="02020603050405020304" pitchFamily="18" charset="0"/>
+            </a:endParaRPr>
           </a:p>
         </p:txBody>
       </p:sp>
